--- a/cmsc125/ostep/slides/01.Virtualization/21.Swapping_Mechanism.pptx
+++ b/cmsc125/ostep/slides/01.Virtualization/21.Swapping_Mechanism.pptx
@@ -5,7 +5,7 @@
     <p:sldMasterId id="2147483670" r:id="rId1"/>
   </p:sldMasterIdLst>
   <p:notesMasterIdLst>
-    <p:notesMasterId r:id="rId17"/>
+    <p:notesMasterId r:id="rId18"/>
   </p:notesMasterIdLst>
   <p:sldIdLst>
     <p:sldId id="298" r:id="rId2"/>
@@ -23,6 +23,7 @@
     <p:sldId id="278" r:id="rId14"/>
     <p:sldId id="279" r:id="rId15"/>
     <p:sldId id="280" r:id="rId16"/>
+    <p:sldId id="300" r:id="rId17"/>
   </p:sldIdLst>
   <p:sldSz cx="12192000" cy="6858000"/>
   <p:notesSz cx="6797675" cy="9928225"/>
@@ -252,7 +253,7 @@
           <a:p>
             <a:fld id="{050F0499-AE52-4672-879B-3107B2FC2A9F}" type="datetimeFigureOut">
               <a:rPr lang="ko-KR" altLang="en-US" smtClean="0"/>
-              <a:t>2021-07-21</a:t>
+              <a:t>2021-11-10</a:t>
             </a:fld>
             <a:endParaRPr lang="ko-KR" altLang="en-US"/>
           </a:p>
@@ -1695,16 +1696,13 @@
               </a:rPr>
               <a:t>not in physical memory</a:t>
             </a:r>
+            <a:endParaRPr lang="en-US" altLang="ko-KR" dirty="0"/>
+          </a:p>
+          <a:p>
+            <a:pPr lvl="1"/>
             <a:r>
               <a:rPr lang="en-US" altLang="ko-KR" dirty="0"/>
-              <a:t>.</a:t>
-            </a:r>
-          </a:p>
-          <a:p>
-            <a:pPr lvl="1"/>
-            <a:r>
-              <a:rPr lang="en-US" altLang="ko-KR" dirty="0"/>
-              <a:t>If a page is not present and has been swapped disk, the OS need to swap the page into memory in order to service the page fault.</a:t>
+              <a:t>If a page is not present and has been swapped out to disk, the OS need to swap the page into memory in order to service the page fault</a:t>
             </a:r>
           </a:p>
           <a:p>
@@ -1964,36 +1962,13 @@
           </a:lstStyle>
           <a:p>
             <a:r>
-              <a:rPr lang="en-US" altLang="ko-KR" dirty="0" err="1">
-                <a:solidFill>
-                  <a:prstClr val="black"/>
-                </a:solidFill>
-              </a:rPr>
-              <a:t>PTE</a:t>
-            </a:r>
-            <a:r>
               <a:rPr lang="en-US" altLang="ko-KR" dirty="0">
                 <a:solidFill>
                   <a:prstClr val="black"/>
                 </a:solidFill>
-              </a:rPr>
-              <a:t> used for data such as the </a:t>
-            </a:r>
-            <a:r>
-              <a:rPr lang="en-US" altLang="ko-KR" dirty="0" err="1">
-                <a:solidFill>
-                  <a:prstClr val="black"/>
-                </a:solidFill>
-              </a:rPr>
-              <a:t>PFN</a:t>
-            </a:r>
-            <a:r>
-              <a:rPr lang="en-US" altLang="ko-KR" dirty="0">
-                <a:solidFill>
-                  <a:prstClr val="black"/>
-                </a:solidFill>
-              </a:rPr>
-              <a:t> of the page for a disk address.</a:t>
+                <a:latin typeface="Oswald" pitchFamily="2" charset="0"/>
+              </a:rPr>
+              <a:t>PTE is used for data such as the PFN of the page for a disk address</a:t>
             </a:r>
           </a:p>
           <a:p>
@@ -3520,7 +3495,7 @@
         <p:spPr>
           <a:xfrm>
             <a:off x="4342187" y="1747167"/>
-            <a:ext cx="2933560" cy="276999"/>
+            <a:ext cx="2806922" cy="276999"/>
           </a:xfrm>
           <a:prstGeom prst="rect">
             <a:avLst/>
@@ -3541,7 +3516,7 @@
                 <a:latin typeface="맑은 고딕" pitchFamily="50" charset="-127"/>
                 <a:ea typeface="맑은 고딕" pitchFamily="50" charset="-127"/>
               </a:rPr>
-              <a:t>3. Check storage whether page is exist.</a:t>
+              <a:t>3. Check storage whether page exists</a:t>
             </a:r>
             <a:endParaRPr lang="ko-KR" altLang="en-US" sz="1200" dirty="0">
               <a:solidFill>
@@ -4162,7 +4137,7 @@
                 <a:latin typeface="맑은 고딕" pitchFamily="50" charset="-127"/>
                 <a:ea typeface="맑은 고딕" pitchFamily="50" charset="-127"/>
               </a:rPr>
-              <a:t>5. Reset Page Table.</a:t>
+              <a:t>5. Reset Page Table</a:t>
             </a:r>
             <a:endParaRPr lang="ko-KR" altLang="en-US" sz="1200" dirty="0">
               <a:solidFill>
@@ -4639,7 +4614,7 @@
                 <a:latin typeface="Courier New" pitchFamily="49" charset="0"/>
                 <a:cs typeface="Courier New" pitchFamily="49" charset="0"/>
               </a:rPr>
-              <a:t> (Success == True) </a:t>
+              <a:t> (Success == True){ </a:t>
             </a:r>
             <a:r>
               <a:rPr lang="en-US" altLang="ko-KR" sz="1400" dirty="0">
@@ -4649,27 +4624,7 @@
                 <a:latin typeface="Courier New" pitchFamily="49" charset="0"/>
                 <a:cs typeface="Courier New" pitchFamily="49" charset="0"/>
               </a:rPr>
-              <a:t>// </a:t>
-            </a:r>
-            <a:r>
-              <a:rPr lang="en-US" altLang="ko-KR" sz="1400" dirty="0" err="1">
-                <a:solidFill>
-                  <a:srgbClr val="00B0F0"/>
-                </a:solidFill>
-                <a:latin typeface="Courier New" pitchFamily="49" charset="0"/>
-                <a:cs typeface="Courier New" pitchFamily="49" charset="0"/>
-              </a:rPr>
-              <a:t>TLB</a:t>
-            </a:r>
-            <a:r>
-              <a:rPr lang="en-US" altLang="ko-KR" sz="1400" dirty="0">
-                <a:solidFill>
-                  <a:srgbClr val="00B0F0"/>
-                </a:solidFill>
-                <a:latin typeface="Courier New" pitchFamily="49" charset="0"/>
-                <a:cs typeface="Courier New" pitchFamily="49" charset="0"/>
-              </a:rPr>
-              <a:t> Hit</a:t>
+              <a:t>// TLB Hit</a:t>
             </a:r>
           </a:p>
           <a:p>
@@ -5207,7 +5162,7 @@
                 <a:latin typeface="Courier New" pitchFamily="49" charset="0"/>
                 <a:cs typeface="Courier New" pitchFamily="49" charset="0"/>
               </a:rPr>
-              <a:t>9: 	</a:t>
+              <a:t>9: 	}</a:t>
             </a:r>
             <a:r>
               <a:rPr lang="en-US" altLang="ko-KR" sz="1400" dirty="0">
@@ -5219,7 +5174,7 @@
                 <a:latin typeface="Courier New" pitchFamily="49" charset="0"/>
                 <a:cs typeface="Courier New" pitchFamily="49" charset="0"/>
               </a:rPr>
-              <a:t>else</a:t>
+              <a:t>else{</a:t>
             </a:r>
             <a:r>
               <a:rPr lang="en-US" altLang="ko-KR" sz="1400" dirty="0">
@@ -5239,27 +5194,7 @@
                 <a:latin typeface="Courier New" pitchFamily="49" charset="0"/>
                 <a:cs typeface="Courier New" pitchFamily="49" charset="0"/>
               </a:rPr>
-              <a:t>// </a:t>
-            </a:r>
-            <a:r>
-              <a:rPr lang="en-US" altLang="ko-KR" sz="1400" dirty="0" err="1">
-                <a:solidFill>
-                  <a:srgbClr val="00B0F0"/>
-                </a:solidFill>
-                <a:latin typeface="Courier New" pitchFamily="49" charset="0"/>
-                <a:cs typeface="Courier New" pitchFamily="49" charset="0"/>
-              </a:rPr>
-              <a:t>TLB</a:t>
-            </a:r>
-            <a:r>
-              <a:rPr lang="en-US" altLang="ko-KR" sz="1400" dirty="0">
-                <a:solidFill>
-                  <a:srgbClr val="00B0F0"/>
-                </a:solidFill>
-                <a:latin typeface="Courier New" pitchFamily="49" charset="0"/>
-                <a:cs typeface="Courier New" pitchFamily="49" charset="0"/>
-              </a:rPr>
-              <a:t> Miss</a:t>
+              <a:t>// TLB Miss</a:t>
             </a:r>
           </a:p>
           <a:p>
@@ -5296,7 +5231,7 @@
                 <a:latin typeface="Courier New" pitchFamily="49" charset="0"/>
                 <a:cs typeface="Courier New" pitchFamily="49" charset="0"/>
               </a:rPr>
-              <a:t> = </a:t>
+              <a:t> = PTBR + (VPN * </a:t>
             </a:r>
             <a:r>
               <a:rPr lang="en-US" altLang="ko-KR" sz="1400" dirty="0" err="1">
@@ -5306,7 +5241,7 @@
                 <a:latin typeface="Courier New" pitchFamily="49" charset="0"/>
                 <a:cs typeface="Courier New" pitchFamily="49" charset="0"/>
               </a:rPr>
-              <a:t>PTBR</a:t>
+              <a:t>sizeof</a:t>
             </a:r>
             <a:r>
               <a:rPr lang="en-US" altLang="ko-KR" sz="1400" dirty="0">
@@ -5316,67 +5251,7 @@
                 <a:latin typeface="Courier New" pitchFamily="49" charset="0"/>
                 <a:cs typeface="Courier New" pitchFamily="49" charset="0"/>
               </a:rPr>
-              <a:t> + (</a:t>
-            </a:r>
-            <a:r>
-              <a:rPr lang="en-US" altLang="ko-KR" sz="1400" dirty="0" err="1">
-                <a:solidFill>
-                  <a:prstClr val="black"/>
-                </a:solidFill>
-                <a:latin typeface="Courier New" pitchFamily="49" charset="0"/>
-                <a:cs typeface="Courier New" pitchFamily="49" charset="0"/>
-              </a:rPr>
-              <a:t>VPN</a:t>
-            </a:r>
-            <a:r>
-              <a:rPr lang="en-US" altLang="ko-KR" sz="1400" dirty="0">
-                <a:solidFill>
-                  <a:prstClr val="black"/>
-                </a:solidFill>
-                <a:latin typeface="Courier New" pitchFamily="49" charset="0"/>
-                <a:cs typeface="Courier New" pitchFamily="49" charset="0"/>
-              </a:rPr>
-              <a:t> * </a:t>
-            </a:r>
-            <a:r>
-              <a:rPr lang="en-US" altLang="ko-KR" sz="1400" dirty="0" err="1">
-                <a:solidFill>
-                  <a:prstClr val="black"/>
-                </a:solidFill>
-                <a:latin typeface="Courier New" pitchFamily="49" charset="0"/>
-                <a:cs typeface="Courier New" pitchFamily="49" charset="0"/>
-              </a:rPr>
-              <a:t>sizeof</a:t>
-            </a:r>
-            <a:r>
-              <a:rPr lang="en-US" altLang="ko-KR" sz="1400" dirty="0">
-                <a:solidFill>
-                  <a:prstClr val="black"/>
-                </a:solidFill>
-                <a:latin typeface="Courier New" pitchFamily="49" charset="0"/>
-                <a:cs typeface="Courier New" pitchFamily="49" charset="0"/>
-              </a:rPr>
-              <a:t>(</a:t>
-            </a:r>
-            <a:r>
-              <a:rPr lang="en-US" altLang="ko-KR" sz="1400" dirty="0" err="1">
-                <a:solidFill>
-                  <a:prstClr val="black"/>
-                </a:solidFill>
-                <a:latin typeface="Courier New" pitchFamily="49" charset="0"/>
-                <a:cs typeface="Courier New" pitchFamily="49" charset="0"/>
-              </a:rPr>
-              <a:t>PTE</a:t>
-            </a:r>
-            <a:r>
-              <a:rPr lang="en-US" altLang="ko-KR" sz="1400" dirty="0">
-                <a:solidFill>
-                  <a:prstClr val="black"/>
-                </a:solidFill>
-                <a:latin typeface="Courier New" pitchFamily="49" charset="0"/>
-                <a:cs typeface="Courier New" pitchFamily="49" charset="0"/>
-              </a:rPr>
-              <a:t>))</a:t>
+              <a:t>(PTE))</a:t>
             </a:r>
           </a:p>
           <a:p>
@@ -6987,6 +6862,7 @@
                 <a:solidFill>
                   <a:prstClr val="black"/>
                 </a:solidFill>
+                <a:latin typeface="Oswald" pitchFamily="2" charset="0"/>
               </a:rPr>
               <a:t>The OS must find a physical frame for the </a:t>
             </a:r>
@@ -6995,6 +6871,7 @@
                 <a:solidFill>
                   <a:srgbClr val="F79646"/>
                 </a:solidFill>
+                <a:latin typeface="Oswald" pitchFamily="2" charset="0"/>
               </a:rPr>
               <a:t>soon-be-faulted-in page </a:t>
             </a:r>
@@ -7003,8 +6880,9 @@
                 <a:solidFill>
                   <a:prstClr val="black"/>
                 </a:solidFill>
-              </a:rPr>
-              <a:t>to reside within.</a:t>
+                <a:latin typeface="Oswald" pitchFamily="2" charset="0"/>
+              </a:rPr>
+              <a:t>to reside within</a:t>
             </a:r>
           </a:p>
           <a:p>
@@ -7014,6 +6892,7 @@
                 <a:solidFill>
                   <a:prstClr val="black"/>
                 </a:solidFill>
+                <a:latin typeface="Oswald" pitchFamily="2" charset="0"/>
               </a:rPr>
               <a:t>If there is no such page, waiting for the </a:t>
             </a:r>
@@ -7022,6 +6901,7 @@
                 <a:solidFill>
                   <a:srgbClr val="F79646"/>
                 </a:solidFill>
+                <a:latin typeface="Oswald" pitchFamily="2" charset="0"/>
               </a:rPr>
               <a:t>replacement algorithm </a:t>
             </a:r>
@@ -7030,13 +6910,15 @@
                 <a:solidFill>
                   <a:prstClr val="black"/>
                 </a:solidFill>
-              </a:rPr>
-              <a:t>to run and kick some pages out of memory.</a:t>
+                <a:latin typeface="Oswald" pitchFamily="2" charset="0"/>
+              </a:rPr>
+              <a:t>to run and kick some pages out of memory</a:t>
             </a:r>
             <a:endParaRPr lang="ko-KR" altLang="en-US" dirty="0">
               <a:solidFill>
                 <a:prstClr val="black"/>
               </a:solidFill>
+              <a:latin typeface="Oswald" pitchFamily="2" charset="0"/>
             </a:endParaRPr>
           </a:p>
         </p:txBody>
@@ -7121,7 +7003,7 @@
             <a:pPr lvl="1"/>
             <a:r>
               <a:rPr lang="en-US" altLang="ko-KR" dirty="0"/>
-              <a:t>This is a little bit unrealistic, and there are many reason for the OS to keep a small portion of memory free more proactively.</a:t>
+              <a:t>This is a little bit unrealistic, and there are many reason for the OS to keep a small portion of memory free more proactively</a:t>
             </a:r>
           </a:p>
           <a:p>
@@ -7141,24 +7023,16 @@
               <a:t>There are fewer than </a:t>
             </a:r>
             <a:r>
-              <a:rPr lang="en-US" altLang="ko-KR" dirty="0" err="1">
+              <a:rPr lang="en-US" altLang="ko-KR" dirty="0">
                 <a:solidFill>
                   <a:schemeClr val="accent6"/>
                 </a:solidFill>
               </a:rPr>
-              <a:t>LW</a:t>
-            </a:r>
-            <a:r>
-              <a:rPr lang="en-US" altLang="ko-KR" dirty="0">
-                <a:solidFill>
-                  <a:schemeClr val="accent6"/>
-                </a:solidFill>
-              </a:rPr>
-              <a:t> pages</a:t>
+              <a:t>Low Watermark pages</a:t>
             </a:r>
             <a:r>
               <a:rPr lang="en-US" altLang="ko-KR" dirty="0"/>
-              <a:t> available, a background thread that is responsible for freeing memory runs.</a:t>
+              <a:t> available, a background thread that is responsible for freeing memory runs</a:t>
             </a:r>
           </a:p>
           <a:p>
@@ -7168,24 +7042,16 @@
               <a:t>The thread evicts pages until there are </a:t>
             </a:r>
             <a:r>
-              <a:rPr lang="en-US" altLang="ko-KR" dirty="0" err="1">
+              <a:rPr lang="en-US" altLang="ko-KR" dirty="0">
                 <a:solidFill>
                   <a:schemeClr val="accent6"/>
                 </a:solidFill>
               </a:rPr>
-              <a:t>HW</a:t>
-            </a:r>
-            <a:r>
-              <a:rPr lang="en-US" altLang="ko-KR" dirty="0">
-                <a:solidFill>
-                  <a:schemeClr val="accent6"/>
-                </a:solidFill>
-              </a:rPr>
-              <a:t> pages </a:t>
+              <a:t>High Watermark pages </a:t>
             </a:r>
             <a:r>
               <a:rPr lang="en-US" altLang="ko-KR" dirty="0"/>
-              <a:t>available.</a:t>
+              <a:t>available</a:t>
             </a:r>
           </a:p>
         </p:txBody>
@@ -7194,6 +7060,179 @@
     <p:extLst>
       <p:ext uri="{BB962C8B-B14F-4D97-AF65-F5344CB8AC3E}">
         <p14:creationId xmlns:p14="http://schemas.microsoft.com/office/powerpoint/2010/main" val="2302152720"/>
+      </p:ext>
+    </p:extLst>
+  </p:cSld>
+  <p:clrMapOvr>
+    <a:masterClrMapping/>
+  </p:clrMapOvr>
+  <p:transition>
+    <p:zoom/>
+  </p:transition>
+</p:sld>
+</file>
+
+<file path=ppt/slides/slide16.xml><?xml version="1.0" encoding="utf-8"?>
+<p:sld xmlns:a="http://schemas.openxmlformats.org/drawingml/2006/main" xmlns:r="http://schemas.openxmlformats.org/officeDocument/2006/relationships" xmlns:p="http://schemas.openxmlformats.org/presentationml/2006/main">
+  <p:cSld>
+    <p:spTree>
+      <p:nvGrpSpPr>
+        <p:cNvPr id="1" name=""/>
+        <p:cNvGrpSpPr/>
+        <p:nvPr/>
+      </p:nvGrpSpPr>
+      <p:grpSpPr>
+        <a:xfrm>
+          <a:off x="0" y="0"/>
+          <a:ext cx="0" cy="0"/>
+          <a:chOff x="0" y="0"/>
+          <a:chExt cx="0" cy="0"/>
+        </a:xfrm>
+      </p:grpSpPr>
+      <p:sp>
+        <p:nvSpPr>
+          <p:cNvPr id="3" name="Title 2">
+            <a:extLst>
+              <a:ext uri="{FF2B5EF4-FFF2-40B4-BE49-F238E27FC236}">
+                <a16:creationId xmlns:a16="http://schemas.microsoft.com/office/drawing/2014/main" id="{EF375C2F-177D-403C-BFCB-111130EFA0F0}"/>
+              </a:ext>
+            </a:extLst>
+          </p:cNvPr>
+          <p:cNvSpPr>
+            <a:spLocks noGrp="1"/>
+          </p:cNvSpPr>
+          <p:nvPr>
+            <p:ph type="title"/>
+          </p:nvPr>
+        </p:nvSpPr>
+        <p:spPr/>
+        <p:txBody>
+          <a:bodyPr/>
+          <a:lstStyle/>
+          <a:p>
+            <a:r>
+              <a:rPr lang="en-US" dirty="0"/>
+              <a:t>Linux commands</a:t>
+            </a:r>
+            <a:endParaRPr lang="en-PH" dirty="0"/>
+          </a:p>
+        </p:txBody>
+      </p:sp>
+      <p:sp>
+        <p:nvSpPr>
+          <p:cNvPr id="4" name="Content Placeholder 3">
+            <a:extLst>
+              <a:ext uri="{FF2B5EF4-FFF2-40B4-BE49-F238E27FC236}">
+                <a16:creationId xmlns:a16="http://schemas.microsoft.com/office/drawing/2014/main" id="{41888FE3-7423-4254-998F-3D0B6E3838AE}"/>
+              </a:ext>
+            </a:extLst>
+          </p:cNvPr>
+          <p:cNvSpPr>
+            <a:spLocks noGrp="1"/>
+          </p:cNvSpPr>
+          <p:nvPr>
+            <p:ph idx="1"/>
+          </p:nvPr>
+        </p:nvSpPr>
+        <p:spPr/>
+        <p:txBody>
+          <a:bodyPr/>
+          <a:lstStyle/>
+          <a:p>
+            <a:r>
+              <a:rPr lang="en-PH" dirty="0">
+                <a:latin typeface="Courier New" panose="02070309020205020404" pitchFamily="49" charset="0"/>
+                <a:cs typeface="Courier New" panose="02070309020205020404" pitchFamily="49" charset="0"/>
+              </a:rPr>
+              <a:t>$ </a:t>
+            </a:r>
+            <a:r>
+              <a:rPr lang="en-PH" dirty="0" err="1">
+                <a:latin typeface="Courier New" panose="02070309020205020404" pitchFamily="49" charset="0"/>
+                <a:cs typeface="Courier New" panose="02070309020205020404" pitchFamily="49" charset="0"/>
+              </a:rPr>
+              <a:t>swapon</a:t>
+            </a:r>
+            <a:r>
+              <a:rPr lang="en-PH" dirty="0">
+                <a:latin typeface="Courier New" panose="02070309020205020404" pitchFamily="49" charset="0"/>
+                <a:cs typeface="Courier New" panose="02070309020205020404" pitchFamily="49" charset="0"/>
+              </a:rPr>
+              <a:t> --show --output-all</a:t>
+            </a:r>
+          </a:p>
+          <a:p>
+            <a:r>
+              <a:rPr lang="en-PH" dirty="0">
+                <a:latin typeface="Courier New" panose="02070309020205020404" pitchFamily="49" charset="0"/>
+                <a:cs typeface="Courier New" panose="02070309020205020404" pitchFamily="49" charset="0"/>
+              </a:rPr>
+              <a:t>$ free -m</a:t>
+            </a:r>
+          </a:p>
+          <a:p>
+            <a:r>
+              <a:rPr lang="en-PH" dirty="0">
+                <a:latin typeface="Courier New" panose="02070309020205020404" pitchFamily="49" charset="0"/>
+                <a:cs typeface="Courier New" panose="02070309020205020404" pitchFamily="49" charset="0"/>
+              </a:rPr>
+              <a:t>$ for file in /proc/*/status ; do awk '/</a:t>
+            </a:r>
+            <a:r>
+              <a:rPr lang="en-PH" dirty="0" err="1">
+                <a:latin typeface="Courier New" panose="02070309020205020404" pitchFamily="49" charset="0"/>
+                <a:cs typeface="Courier New" panose="02070309020205020404" pitchFamily="49" charset="0"/>
+              </a:rPr>
+              <a:t>VmSwap|Name</a:t>
+            </a:r>
+            <a:r>
+              <a:rPr lang="en-PH" dirty="0">
+                <a:latin typeface="Courier New" panose="02070309020205020404" pitchFamily="49" charset="0"/>
+                <a:cs typeface="Courier New" panose="02070309020205020404" pitchFamily="49" charset="0"/>
+              </a:rPr>
+              <a:t>/{</a:t>
+            </a:r>
+            <a:r>
+              <a:rPr lang="en-PH" dirty="0" err="1">
+                <a:latin typeface="Courier New" panose="02070309020205020404" pitchFamily="49" charset="0"/>
+                <a:cs typeface="Courier New" panose="02070309020205020404" pitchFamily="49" charset="0"/>
+              </a:rPr>
+              <a:t>printf</a:t>
+            </a:r>
+            <a:r>
+              <a:rPr lang="en-PH" dirty="0">
+                <a:latin typeface="Courier New" panose="02070309020205020404" pitchFamily="49" charset="0"/>
+                <a:cs typeface="Courier New" panose="02070309020205020404" pitchFamily="49" charset="0"/>
+              </a:rPr>
+              <a:t> $2 " " $3}END{ print ""}' $file; done | sort -k 2 -n -r | less</a:t>
+            </a:r>
+          </a:p>
+          <a:p>
+            <a:r>
+              <a:rPr lang="en-PH" dirty="0">
+                <a:latin typeface="Courier New" panose="02070309020205020404" pitchFamily="49" charset="0"/>
+                <a:cs typeface="Courier New" panose="02070309020205020404" pitchFamily="49" charset="0"/>
+              </a:rPr>
+              <a:t>$ </a:t>
+            </a:r>
+            <a:r>
+              <a:rPr lang="en-PH" dirty="0" err="1">
+                <a:latin typeface="Courier New" panose="02070309020205020404" pitchFamily="49" charset="0"/>
+                <a:cs typeface="Courier New" panose="02070309020205020404" pitchFamily="49" charset="0"/>
+              </a:rPr>
+              <a:t>smem</a:t>
+            </a:r>
+            <a:endParaRPr lang="en-PH" dirty="0">
+              <a:latin typeface="Courier New" panose="02070309020205020404" pitchFamily="49" charset="0"/>
+              <a:cs typeface="Courier New" panose="02070309020205020404" pitchFamily="49" charset="0"/>
+            </a:endParaRPr>
+          </a:p>
+        </p:txBody>
+      </p:sp>
+    </p:spTree>
+    <p:extLst>
+      <p:ext uri="{BB962C8B-B14F-4D97-AF65-F5344CB8AC3E}">
+        <p14:creationId xmlns:p14="http://schemas.microsoft.com/office/powerpoint/2010/main" val="3599308464"/>
       </p:ext>
     </p:extLst>
   </p:cSld>
@@ -7631,16 +7670,13 @@
               </a:rPr>
               <a:t>memory hierarchy</a:t>
             </a:r>
+            <a:endParaRPr lang="en-US" altLang="ko-KR" dirty="0"/>
+          </a:p>
+          <a:p>
+            <a:pPr lvl="1"/>
             <a:r>
               <a:rPr lang="en-US" altLang="ko-KR" dirty="0"/>
-              <a:t>.</a:t>
-            </a:r>
-          </a:p>
-          <a:p>
-            <a:pPr lvl="1"/>
-            <a:r>
-              <a:rPr lang="en-US" altLang="ko-KR" dirty="0"/>
-              <a:t>OS need a place to stash away portions of address space that currently aren’t in great demand.</a:t>
+              <a:t>OS need a place to stash away portions of address space that currently aren’t in great demand</a:t>
             </a:r>
           </a:p>
           <a:p>
@@ -8018,7 +8054,7 @@
                 <a:latin typeface="맑은 고딕" panose="020B0503020000020004" pitchFamily="50" charset="-127"/>
                 <a:ea typeface="맑은 고딕" panose="020B0503020000020004" pitchFamily="50" charset="-127"/>
               </a:rPr>
-              <a:t>Memory Hierarchy in modern system</a:t>
+              <a:t>Memory Hierarchy in modern systems</a:t>
             </a:r>
           </a:p>
         </p:txBody>
@@ -8073,7 +8109,7 @@
           <a:p>
             <a:r>
               <a:rPr lang="en-US" altLang="ko-KR" dirty="0"/>
-              <a:t>Single large address for a process</a:t>
+              <a:t>Using a single large address for a process</a:t>
             </a:r>
             <a:endParaRPr lang="ko-KR" altLang="en-US" dirty="0"/>
           </a:p>
@@ -8096,7 +8132,13 @@
           <a:p>
             <a:r>
               <a:rPr lang="en-US" altLang="ko-KR" dirty="0"/>
-              <a:t>Always need to first arrange for the code or data to be in memory when before calling a function or accessing data.</a:t>
+              <a:t>Needs to first arrange for the code or data to be in memory when calling a function or accessing data</a:t>
+            </a:r>
+          </a:p>
+          <a:p>
+            <a:r>
+              <a:rPr lang="en-US" altLang="ko-KR" dirty="0"/>
+              <a:t>Easier for programmers – no need to manually manage/organize the memory used by a process</a:t>
             </a:r>
           </a:p>
           <a:p>
@@ -8105,15 +8147,7 @@
           <a:p>
             <a:r>
               <a:rPr lang="en-US" altLang="ko-KR" dirty="0"/>
-              <a:t>To Beyond just a </a:t>
-            </a:r>
-            <a:r>
-              <a:rPr lang="en-US" altLang="ko-KR" dirty="0">
-                <a:solidFill>
-                  <a:schemeClr val="accent6"/>
-                </a:solidFill>
-              </a:rPr>
-              <a:t>single process.</a:t>
+              <a:t>Beyond a single process</a:t>
             </a:r>
           </a:p>
           <a:p>
@@ -8132,8 +8166,25 @@
             </a:r>
             <a:r>
               <a:rPr lang="en-US" altLang="ko-KR" dirty="0"/>
-              <a:t>allows the OS to support the illusion of a large virtual memory for multiple concurrently-running process</a:t>
-            </a:r>
+              <a:t>allows the OS to support the illusion of a large virtual memory for </a:t>
+            </a:r>
+            <a:r>
+              <a:rPr lang="en-US" altLang="ko-KR" dirty="0">
+                <a:solidFill>
+                  <a:schemeClr val="accent3"/>
+                </a:solidFill>
+              </a:rPr>
+              <a:t>multiple concurrently-running processes </a:t>
+            </a:r>
+            <a:r>
+              <a:rPr lang="en-US" altLang="ko-KR" dirty="0"/>
+              <a:t>since early systems don’t have enough main memory</a:t>
+            </a:r>
+            <a:endParaRPr lang="en-US" altLang="ko-KR" dirty="0">
+              <a:solidFill>
+                <a:schemeClr val="accent3"/>
+              </a:solidFill>
+            </a:endParaRPr>
           </a:p>
         </p:txBody>
       </p:sp>
@@ -8210,7 +8261,7 @@
           <a:p>
             <a:r>
               <a:rPr lang="en-US" altLang="ko-KR" dirty="0"/>
-              <a:t>Reserve some space on the disk for moving pages back and forth.</a:t>
+              <a:t>Reserve some space on the disk for moving pages back and forth</a:t>
             </a:r>
           </a:p>
           <a:p>
@@ -10362,22 +10413,14 @@
           <a:p>
             <a:r>
               <a:rPr lang="en-US" altLang="ko-KR" dirty="0"/>
-              <a:t>Add some machinery higher up in the system in order to support swapping pages to and from the disk.</a:t>
+              <a:t>Add some machinery higher up in the system in order to support swapping pages to and from the disk</a:t>
             </a:r>
           </a:p>
           <a:p>
             <a:pPr lvl="1"/>
             <a:r>
               <a:rPr lang="en-US" altLang="ko-KR" dirty="0"/>
-              <a:t>When the hardware looks in the </a:t>
-            </a:r>
-            <a:r>
-              <a:rPr lang="en-US" altLang="ko-KR" dirty="0" err="1"/>
-              <a:t>PTE</a:t>
-            </a:r>
-            <a:r>
-              <a:rPr lang="en-US" altLang="ko-KR" dirty="0"/>
-              <a:t>, it may find that the page is not </a:t>
+              <a:t>When the hardware looks in the PTE, it may find that the page is not </a:t>
             </a:r>
             <a:r>
               <a:rPr lang="en-US" altLang="ko-KR" u="sng" dirty="0"/>
@@ -10385,7 +10428,7 @@
             </a:r>
             <a:r>
               <a:rPr lang="en-US" altLang="ko-KR" dirty="0"/>
-              <a:t> in physical memory.</a:t>
+              <a:t> in physical memory</a:t>
             </a:r>
           </a:p>
           <a:p>
@@ -10918,7 +10961,7 @@
           <a:p>
             <a:r>
               <a:rPr lang="en-US" altLang="ko-KR" dirty="0"/>
-              <a:t>The OS like to page out pages to make room for the new pages the OS is about to bring in.</a:t>
+              <a:t>The OS like to “page out” pages to make room for the new pages the OS is about to bring in</a:t>
             </a:r>
           </a:p>
           <a:p>

--- a/cmsc125/ostep/slides/01.Virtualization/21.Swapping_Mechanism.pptx
+++ b/cmsc125/ostep/slides/01.Virtualization/21.Swapping_Mechanism.pptx
@@ -7112,7 +7112,7 @@
           <a:p>
             <a:r>
               <a:rPr lang="en-US" dirty="0"/>
-              <a:t>Linux commands</a:t>
+              <a:t>Useful Linux Commands</a:t>
             </a:r>
             <a:endParaRPr lang="en-PH" dirty="0"/>
           </a:p>
@@ -7140,81 +7140,67 @@
           <a:lstStyle/>
           <a:p>
             <a:r>
+              <a:rPr lang="en-PH" dirty="0" err="1">
+                <a:latin typeface="Courier New" panose="02070309020205020404" pitchFamily="49" charset="0"/>
+                <a:cs typeface="Courier New" panose="02070309020205020404" pitchFamily="49" charset="0"/>
+              </a:rPr>
+              <a:t>swapon</a:t>
+            </a:r>
+            <a:r>
               <a:rPr lang="en-PH" dirty="0">
                 <a:latin typeface="Courier New" panose="02070309020205020404" pitchFamily="49" charset="0"/>
                 <a:cs typeface="Courier New" panose="02070309020205020404" pitchFamily="49" charset="0"/>
               </a:rPr>
-              <a:t>$ </a:t>
+              <a:t> --show --output-all</a:t>
+            </a:r>
+          </a:p>
+          <a:p>
+            <a:r>
+              <a:rPr lang="en-PH" dirty="0">
+                <a:latin typeface="Courier New" panose="02070309020205020404" pitchFamily="49" charset="0"/>
+                <a:cs typeface="Courier New" panose="02070309020205020404" pitchFamily="49" charset="0"/>
+              </a:rPr>
+              <a:t>free -m</a:t>
+            </a:r>
+          </a:p>
+          <a:p>
+            <a:r>
+              <a:rPr lang="en-PH" dirty="0">
+                <a:latin typeface="Courier New" panose="02070309020205020404" pitchFamily="49" charset="0"/>
+                <a:cs typeface="Courier New" panose="02070309020205020404" pitchFamily="49" charset="0"/>
+              </a:rPr>
+              <a:t>for file in /proc/*/status ; do awk '/</a:t>
             </a:r>
             <a:r>
               <a:rPr lang="en-PH" dirty="0" err="1">
                 <a:latin typeface="Courier New" panose="02070309020205020404" pitchFamily="49" charset="0"/>
                 <a:cs typeface="Courier New" panose="02070309020205020404" pitchFamily="49" charset="0"/>
               </a:rPr>
-              <a:t>swapon</a:t>
+              <a:t>VmSwap|Name</a:t>
             </a:r>
             <a:r>
               <a:rPr lang="en-PH" dirty="0">
                 <a:latin typeface="Courier New" panose="02070309020205020404" pitchFamily="49" charset="0"/>
                 <a:cs typeface="Courier New" panose="02070309020205020404" pitchFamily="49" charset="0"/>
               </a:rPr>
-              <a:t> --show --output-all</a:t>
-            </a:r>
-          </a:p>
-          <a:p>
+              <a:t>/{</a:t>
+            </a:r>
+            <a:r>
+              <a:rPr lang="en-PH" dirty="0" err="1">
+                <a:latin typeface="Courier New" panose="02070309020205020404" pitchFamily="49" charset="0"/>
+                <a:cs typeface="Courier New" panose="02070309020205020404" pitchFamily="49" charset="0"/>
+              </a:rPr>
+              <a:t>printf</a:t>
+            </a:r>
             <a:r>
               <a:rPr lang="en-PH" dirty="0">
                 <a:latin typeface="Courier New" panose="02070309020205020404" pitchFamily="49" charset="0"/>
                 <a:cs typeface="Courier New" panose="02070309020205020404" pitchFamily="49" charset="0"/>
               </a:rPr>
-              <a:t>$ free -m</a:t>
-            </a:r>
-          </a:p>
-          <a:p>
-            <a:r>
-              <a:rPr lang="en-PH" dirty="0">
-                <a:latin typeface="Courier New" panose="02070309020205020404" pitchFamily="49" charset="0"/>
-                <a:cs typeface="Courier New" panose="02070309020205020404" pitchFamily="49" charset="0"/>
-              </a:rPr>
-              <a:t>$ for file in /proc/*/status ; do awk '/</a:t>
-            </a:r>
-            <a:r>
-              <a:rPr lang="en-PH" dirty="0" err="1">
-                <a:latin typeface="Courier New" panose="02070309020205020404" pitchFamily="49" charset="0"/>
-                <a:cs typeface="Courier New" panose="02070309020205020404" pitchFamily="49" charset="0"/>
-              </a:rPr>
-              <a:t>VmSwap|Name</a:t>
-            </a:r>
-            <a:r>
-              <a:rPr lang="en-PH" dirty="0">
-                <a:latin typeface="Courier New" panose="02070309020205020404" pitchFamily="49" charset="0"/>
-                <a:cs typeface="Courier New" panose="02070309020205020404" pitchFamily="49" charset="0"/>
-              </a:rPr>
-              <a:t>/{</a:t>
-            </a:r>
-            <a:r>
-              <a:rPr lang="en-PH" dirty="0" err="1">
-                <a:latin typeface="Courier New" panose="02070309020205020404" pitchFamily="49" charset="0"/>
-                <a:cs typeface="Courier New" panose="02070309020205020404" pitchFamily="49" charset="0"/>
-              </a:rPr>
-              <a:t>printf</a:t>
-            </a:r>
-            <a:r>
-              <a:rPr lang="en-PH" dirty="0">
-                <a:latin typeface="Courier New" panose="02070309020205020404" pitchFamily="49" charset="0"/>
-                <a:cs typeface="Courier New" panose="02070309020205020404" pitchFamily="49" charset="0"/>
-              </a:rPr>
               <a:t> $2 " " $3}END{ print ""}' $file; done | sort -k 2 -n -r | less</a:t>
             </a:r>
           </a:p>
           <a:p>
-            <a:r>
-              <a:rPr lang="en-PH" dirty="0">
-                <a:latin typeface="Courier New" panose="02070309020205020404" pitchFamily="49" charset="0"/>
-                <a:cs typeface="Courier New" panose="02070309020205020404" pitchFamily="49" charset="0"/>
-              </a:rPr>
-              <a:t>$ </a:t>
-            </a:r>
             <a:r>
               <a:rPr lang="en-PH" dirty="0" err="1">
                 <a:latin typeface="Courier New" panose="02070309020205020404" pitchFamily="49" charset="0"/>
@@ -7226,6 +7212,29 @@
               <a:latin typeface="Courier New" panose="02070309020205020404" pitchFamily="49" charset="0"/>
               <a:cs typeface="Courier New" panose="02070309020205020404" pitchFamily="49" charset="0"/>
             </a:endParaRPr>
+          </a:p>
+          <a:p>
+            <a:r>
+              <a:rPr lang="en-PH" dirty="0">
+                <a:latin typeface="Courier New" panose="02070309020205020404" pitchFamily="49" charset="0"/>
+                <a:cs typeface="Courier New" panose="02070309020205020404" pitchFamily="49" charset="0"/>
+              </a:rPr>
+              <a:t>top –p `</a:t>
+            </a:r>
+            <a:r>
+              <a:rPr lang="en-PH" dirty="0" err="1">
+                <a:latin typeface="Courier New" panose="02070309020205020404" pitchFamily="49" charset="0"/>
+                <a:cs typeface="Courier New" panose="02070309020205020404" pitchFamily="49" charset="0"/>
+              </a:rPr>
+              <a:t>pidof</a:t>
+            </a:r>
+            <a:r>
+              <a:rPr lang="en-PH" dirty="0">
+                <a:latin typeface="Courier New" panose="02070309020205020404" pitchFamily="49" charset="0"/>
+                <a:cs typeface="Courier New" panose="02070309020205020404" pitchFamily="49" charset="0"/>
+              </a:rPr>
+              <a:t> kswapd0` </a:t>
+            </a:r>
           </a:p>
         </p:txBody>
       </p:sp>
@@ -8132,7 +8141,7 @@
           <a:p>
             <a:r>
               <a:rPr lang="en-US" altLang="ko-KR" dirty="0"/>
-              <a:t>Needs to first arrange for the code or data to be in memory when calling a function or accessing data</a:t>
+              <a:t>Before programmer needs to first manually arrange for the code or data to be in memory when calling a function or accessing data</a:t>
             </a:r>
           </a:p>
           <a:p>
